--- a/Programacion_Scratch_Resumen_Clases_Trabajo_Final.pptx
+++ b/Programacion_Scratch_Resumen_Clases_Trabajo_Final.pptx
@@ -358,7 +358,7 @@
           <a:p>
             <a:fld id="{9C8847C8-5457-4CC4-BB83-18975BABBFA1}" type="datetimeFigureOut">
               <a:rPr lang="en-US" smtClean="0"/>
-              <a:t>2020-11-20</a:t>
+              <a:t>2020-11-22</a:t>
             </a:fld>
             <a:endParaRPr lang="en-US"/>
           </a:p>
@@ -556,7 +556,7 @@
           <a:p>
             <a:fld id="{9C8847C8-5457-4CC4-BB83-18975BABBFA1}" type="datetimeFigureOut">
               <a:rPr lang="en-US" smtClean="0"/>
-              <a:t>2020-11-20</a:t>
+              <a:t>2020-11-22</a:t>
             </a:fld>
             <a:endParaRPr lang="en-US"/>
           </a:p>
@@ -764,7 +764,7 @@
           <a:p>
             <a:fld id="{9C8847C8-5457-4CC4-BB83-18975BABBFA1}" type="datetimeFigureOut">
               <a:rPr lang="en-US" smtClean="0"/>
-              <a:t>2020-11-20</a:t>
+              <a:t>2020-11-22</a:t>
             </a:fld>
             <a:endParaRPr lang="en-US"/>
           </a:p>
@@ -962,7 +962,7 @@
           <a:p>
             <a:fld id="{9C8847C8-5457-4CC4-BB83-18975BABBFA1}" type="datetimeFigureOut">
               <a:rPr lang="en-US" smtClean="0"/>
-              <a:t>2020-11-20</a:t>
+              <a:t>2020-11-22</a:t>
             </a:fld>
             <a:endParaRPr lang="en-US"/>
           </a:p>
@@ -1237,7 +1237,7 @@
           <a:p>
             <a:fld id="{9C8847C8-5457-4CC4-BB83-18975BABBFA1}" type="datetimeFigureOut">
               <a:rPr lang="en-US" smtClean="0"/>
-              <a:t>2020-11-20</a:t>
+              <a:t>2020-11-22</a:t>
             </a:fld>
             <a:endParaRPr lang="en-US"/>
           </a:p>
@@ -1502,7 +1502,7 @@
           <a:p>
             <a:fld id="{9C8847C8-5457-4CC4-BB83-18975BABBFA1}" type="datetimeFigureOut">
               <a:rPr lang="en-US" smtClean="0"/>
-              <a:t>2020-11-20</a:t>
+              <a:t>2020-11-22</a:t>
             </a:fld>
             <a:endParaRPr lang="en-US"/>
           </a:p>
@@ -1914,7 +1914,7 @@
           <a:p>
             <a:fld id="{9C8847C8-5457-4CC4-BB83-18975BABBFA1}" type="datetimeFigureOut">
               <a:rPr lang="en-US" smtClean="0"/>
-              <a:t>2020-11-20</a:t>
+              <a:t>2020-11-22</a:t>
             </a:fld>
             <a:endParaRPr lang="en-US"/>
           </a:p>
@@ -2055,7 +2055,7 @@
           <a:p>
             <a:fld id="{9C8847C8-5457-4CC4-BB83-18975BABBFA1}" type="datetimeFigureOut">
               <a:rPr lang="en-US" smtClean="0"/>
-              <a:t>2020-11-20</a:t>
+              <a:t>2020-11-22</a:t>
             </a:fld>
             <a:endParaRPr lang="en-US"/>
           </a:p>
@@ -2168,7 +2168,7 @@
           <a:p>
             <a:fld id="{9C8847C8-5457-4CC4-BB83-18975BABBFA1}" type="datetimeFigureOut">
               <a:rPr lang="en-US" smtClean="0"/>
-              <a:t>2020-11-20</a:t>
+              <a:t>2020-11-22</a:t>
             </a:fld>
             <a:endParaRPr lang="en-US"/>
           </a:p>
@@ -2479,7 +2479,7 @@
           <a:p>
             <a:fld id="{9C8847C8-5457-4CC4-BB83-18975BABBFA1}" type="datetimeFigureOut">
               <a:rPr lang="en-US" smtClean="0"/>
-              <a:t>2020-11-20</a:t>
+              <a:t>2020-11-22</a:t>
             </a:fld>
             <a:endParaRPr lang="en-US"/>
           </a:p>
@@ -2767,7 +2767,7 @@
           <a:p>
             <a:fld id="{9C8847C8-5457-4CC4-BB83-18975BABBFA1}" type="datetimeFigureOut">
               <a:rPr lang="en-US" smtClean="0"/>
-              <a:t>2020-11-20</a:t>
+              <a:t>2020-11-22</a:t>
             </a:fld>
             <a:endParaRPr lang="en-US"/>
           </a:p>
@@ -3008,7 +3008,7 @@
           <a:p>
             <a:fld id="{9C8847C8-5457-4CC4-BB83-18975BABBFA1}" type="datetimeFigureOut">
               <a:rPr lang="en-US" smtClean="0"/>
-              <a:t>2020-11-20</a:t>
+              <a:t>2020-11-22</a:t>
             </a:fld>
             <a:endParaRPr lang="en-US"/>
           </a:p>
@@ -8640,8 +8640,8 @@
           </p:style>
         </p:cxnSp>
       </p:grpSp>
-      <mc:AlternateContent xmlns:mc="http://schemas.openxmlformats.org/markup-compatibility/2006">
-        <mc:Choice xmlns:psez="http://schemas.microsoft.com/office/powerpoint/2016/sectionzoom" Requires="psez">
+      <mc:AlternateContent xmlns:mc="http://schemas.openxmlformats.org/markup-compatibility/2006" xmlns:psez="http://schemas.microsoft.com/office/powerpoint/2016/sectionzoom">
+        <mc:Choice Requires="psez">
           <p:graphicFrame>
             <p:nvGraphicFramePr>
               <p:cNvPr id="5" name="Section Zoom 4">
@@ -8698,7 +8698,7 @@
             </a:graphic>
           </p:graphicFrame>
         </mc:Choice>
-        <mc:Fallback>
+        <mc:Fallback xmlns="">
           <p:pic>
             <p:nvPicPr>
               <p:cNvPr id="5" name="Section Zoom 4">
@@ -8715,7 +8715,7 @@
               <p:nvPr/>
             </p:nvPicPr>
             <p:blipFill>
-              <a:blip r:embed="rId2"/>
+              <a:blip r:embed="rId4"/>
               <a:stretch>
                 <a:fillRect/>
               </a:stretch>
@@ -8737,8 +8737,8 @@
           </p:pic>
         </mc:Fallback>
       </mc:AlternateContent>
-      <mc:AlternateContent xmlns:mc="http://schemas.openxmlformats.org/markup-compatibility/2006">
-        <mc:Choice xmlns:psez="http://schemas.microsoft.com/office/powerpoint/2016/sectionzoom" Requires="psez">
+      <mc:AlternateContent xmlns:mc="http://schemas.openxmlformats.org/markup-compatibility/2006" xmlns:psez="http://schemas.microsoft.com/office/powerpoint/2016/sectionzoom">
+        <mc:Choice Requires="psez">
           <p:graphicFrame>
             <p:nvGraphicFramePr>
               <p:cNvPr id="8" name="Section Zoom 7">
@@ -8769,7 +8769,7 @@
                   <psez:sectionZmObj sectionId="{31394DC5-AFE0-47B8-926C-F363D6DB1855}">
                     <psez:zmPr id="{1807C2DA-6BF6-4897-A0D2-B19534DF63E0}" transitionDur="1000">
                       <p166:blipFill xmlns:p166="http://schemas.microsoft.com/office/powerpoint/2016/6/main">
-                        <a:blip r:embed="rId4"/>
+                        <a:blip r:embed="rId5"/>
                         <a:stretch>
                           <a:fillRect/>
                         </a:stretch>
@@ -8795,11 +8795,11 @@
             </a:graphic>
           </p:graphicFrame>
         </mc:Choice>
-        <mc:Fallback>
+        <mc:Fallback xmlns="">
           <p:pic>
             <p:nvPicPr>
               <p:cNvPr id="8" name="Section Zoom 7">
-                <a:hlinkClick r:id="rId5" action="ppaction://hlinksldjump"/>
+                <a:hlinkClick r:id="rId6" action="ppaction://hlinksldjump"/>
                 <a:extLst>
                   <a:ext uri="{FF2B5EF4-FFF2-40B4-BE49-F238E27FC236}">
                     <a16:creationId xmlns:a16="http://schemas.microsoft.com/office/drawing/2014/main" id="{F8CB6F21-016E-4619-B6B7-61DF26362F07}"/>
@@ -8812,7 +8812,7 @@
               <p:nvPr/>
             </p:nvPicPr>
             <p:blipFill>
-              <a:blip r:embed="rId4"/>
+              <a:blip r:embed="rId7"/>
               <a:stretch>
                 <a:fillRect/>
               </a:stretch>
@@ -8834,8 +8834,8 @@
           </p:pic>
         </mc:Fallback>
       </mc:AlternateContent>
-      <mc:AlternateContent xmlns:mc="http://schemas.openxmlformats.org/markup-compatibility/2006">
-        <mc:Choice xmlns:psez="http://schemas.microsoft.com/office/powerpoint/2016/sectionzoom" Requires="psez">
+      <mc:AlternateContent xmlns:mc="http://schemas.openxmlformats.org/markup-compatibility/2006" xmlns:psez="http://schemas.microsoft.com/office/powerpoint/2016/sectionzoom">
+        <mc:Choice Requires="psez">
           <p:graphicFrame>
             <p:nvGraphicFramePr>
               <p:cNvPr id="11" name="Section Zoom 10">
@@ -8866,7 +8866,7 @@
                   <psez:sectionZmObj sectionId="{9C7E608A-781A-4729-99F0-F8FD7733CFD2}">
                     <psez:zmPr id="{E9AA9A36-B696-491B-B546-6D7E16140E4B}" transitionDur="1000">
                       <p166:blipFill xmlns:p166="http://schemas.microsoft.com/office/powerpoint/2016/6/main">
-                        <a:blip r:embed="rId6"/>
+                        <a:blip r:embed="rId8"/>
                         <a:stretch>
                           <a:fillRect/>
                         </a:stretch>
@@ -8892,11 +8892,11 @@
             </a:graphic>
           </p:graphicFrame>
         </mc:Choice>
-        <mc:Fallback>
+        <mc:Fallback xmlns="">
           <p:pic>
             <p:nvPicPr>
               <p:cNvPr id="11" name="Section Zoom 10">
-                <a:hlinkClick r:id="rId7" action="ppaction://hlinksldjump"/>
+                <a:hlinkClick r:id="rId9" action="ppaction://hlinksldjump"/>
                 <a:extLst>
                   <a:ext uri="{FF2B5EF4-FFF2-40B4-BE49-F238E27FC236}">
                     <a16:creationId xmlns:a16="http://schemas.microsoft.com/office/drawing/2014/main" id="{D083A8A5-520B-48C6-95FD-B0FE7F73D48E}"/>
@@ -8909,7 +8909,7 @@
               <p:nvPr/>
             </p:nvPicPr>
             <p:blipFill>
-              <a:blip r:embed="rId6"/>
+              <a:blip r:embed="rId10"/>
               <a:stretch>
                 <a:fillRect/>
               </a:stretch>
@@ -8931,8 +8931,8 @@
           </p:pic>
         </mc:Fallback>
       </mc:AlternateContent>
-      <mc:AlternateContent xmlns:mc="http://schemas.openxmlformats.org/markup-compatibility/2006">
-        <mc:Choice xmlns:psez="http://schemas.microsoft.com/office/powerpoint/2016/sectionzoom" Requires="psez">
+      <mc:AlternateContent xmlns:mc="http://schemas.openxmlformats.org/markup-compatibility/2006" xmlns:psez="http://schemas.microsoft.com/office/powerpoint/2016/sectionzoom">
+        <mc:Choice Requires="psez">
           <p:graphicFrame>
             <p:nvGraphicFramePr>
               <p:cNvPr id="15" name="Section Zoom 14">
@@ -8963,7 +8963,7 @@
                   <psez:sectionZmObj sectionId="{380C3797-B3B4-4373-A7EC-F932CCD63D48}">
                     <psez:zmPr id="{EBA77AD4-15ED-4484-9434-F5794E59788B}" transitionDur="1000">
                       <p166:blipFill xmlns:p166="http://schemas.microsoft.com/office/powerpoint/2016/6/main">
-                        <a:blip r:embed="rId8"/>
+                        <a:blip r:embed="rId11"/>
                         <a:stretch>
                           <a:fillRect/>
                         </a:stretch>
@@ -8989,11 +8989,11 @@
             </a:graphic>
           </p:graphicFrame>
         </mc:Choice>
-        <mc:Fallback>
+        <mc:Fallback xmlns="">
           <p:pic>
             <p:nvPicPr>
               <p:cNvPr id="15" name="Section Zoom 14">
-                <a:hlinkClick r:id="rId9" action="ppaction://hlinksldjump"/>
+                <a:hlinkClick r:id="rId12" action="ppaction://hlinksldjump"/>
                 <a:extLst>
                   <a:ext uri="{FF2B5EF4-FFF2-40B4-BE49-F238E27FC236}">
                     <a16:creationId xmlns:a16="http://schemas.microsoft.com/office/drawing/2014/main" id="{FAEDC173-A4C7-4D19-9A6B-9E5BA76E6732}"/>
@@ -9006,7 +9006,7 @@
               <p:nvPr/>
             </p:nvPicPr>
             <p:blipFill>
-              <a:blip r:embed="rId8"/>
+              <a:blip r:embed="rId13"/>
               <a:stretch>
                 <a:fillRect/>
               </a:stretch>
@@ -21650,6 +21650,7 @@
       <p:pic>
         <p:nvPicPr>
           <p:cNvPr id="19" name="Graphic 18" descr="Video camera">
+            <a:hlinkClick r:id="rId5"/>
             <a:extLst>
               <a:ext uri="{FF2B5EF4-FFF2-40B4-BE49-F238E27FC236}">
                 <a16:creationId xmlns:a16="http://schemas.microsoft.com/office/drawing/2014/main" id="{5276A9DD-F862-4E47-AFBF-EF9A8389AA21}"/>
@@ -21662,13 +21663,13 @@
           <p:nvPr/>
         </p:nvPicPr>
         <p:blipFill>
-          <a:blip r:embed="rId5">
+          <a:blip r:embed="rId6">
             <a:extLst>
               <a:ext uri="{28A0092B-C50C-407E-A947-70E740481C1C}">
                 <a14:useLocalDpi xmlns:a14="http://schemas.microsoft.com/office/drawing/2010/main" val="0"/>
               </a:ext>
               <a:ext uri="{96DAC541-7B7A-43D3-8B79-37D633B846F1}">
-                <asvg:svgBlip xmlns:asvg="http://schemas.microsoft.com/office/drawing/2016/SVG/main" r:embed="rId6"/>
+                <asvg:svgBlip xmlns:asvg="http://schemas.microsoft.com/office/drawing/2016/SVG/main" r:embed="rId7"/>
               </a:ext>
             </a:extLst>
           </a:blip>
